--- a/Final.pptx
+++ b/Final.pptx
@@ -27447,8 +27447,8 @@
           <a:chExt cx="0" cy="0"/>
         </a:xfrm>
       </p:grpSpPr>
-      <mc:AlternateContent xmlns:mc="http://schemas.openxmlformats.org/markup-compatibility/2006">
-        <mc:Choice xmlns:pslz="http://schemas.microsoft.com/office/powerpoint/2016/slidezoom" Requires="pslz">
+      <mc:AlternateContent xmlns:mc="http://schemas.openxmlformats.org/markup-compatibility/2006" xmlns:pslz="http://schemas.microsoft.com/office/powerpoint/2016/slidezoom">
+        <mc:Choice Requires="pslz">
           <p:graphicFrame>
             <p:nvGraphicFramePr>
               <p:cNvPr id="5" name="Slide Zoom 4">
@@ -27500,7 +27500,7 @@
             </a:graphic>
           </p:graphicFrame>
         </mc:Choice>
-        <mc:Fallback>
+        <mc:Fallback xmlns="">
           <p:pic>
             <p:nvPicPr>
               <p:cNvPr id="5" name="Slide Zoom 4">
@@ -27517,7 +27517,7 @@
               <p:nvPr/>
             </p:nvPicPr>
             <p:blipFill>
-              <a:blip r:embed="rId3"/>
+              <a:blip r:embed="rId5"/>
               <a:stretch>
                 <a:fillRect/>
               </a:stretch>
@@ -27534,8 +27534,8 @@
           </p:pic>
         </mc:Fallback>
       </mc:AlternateContent>
-      <mc:AlternateContent xmlns:mc="http://schemas.openxmlformats.org/markup-compatibility/2006">
-        <mc:Choice xmlns:pslz="http://schemas.microsoft.com/office/powerpoint/2016/slidezoom" Requires="pslz">
+      <mc:AlternateContent xmlns:mc="http://schemas.openxmlformats.org/markup-compatibility/2006" xmlns:pslz="http://schemas.microsoft.com/office/powerpoint/2016/slidezoom">
+        <mc:Choice Requires="pslz">
           <p:graphicFrame>
             <p:nvGraphicFramePr>
               <p:cNvPr id="9" name="Slide Zoom 8">
@@ -27566,7 +27566,7 @@
                   <pslz:sldZmObj sldId="270" cId="1126911416">
                     <pslz:zmPr id="{84810068-16A9-4F16-AC11-42F0726DA6E3}" returnToParent="0" transitionDur="1000" showBg="0">
                       <p166:blipFill xmlns:p166="http://schemas.microsoft.com/office/powerpoint/2016/6/main">
-                        <a:blip r:embed="rId5"/>
+                        <a:blip r:embed="rId6"/>
                         <a:stretch>
                           <a:fillRect/>
                         </a:stretch>
@@ -27587,11 +27587,11 @@
             </a:graphic>
           </p:graphicFrame>
         </mc:Choice>
-        <mc:Fallback>
+        <mc:Fallback xmlns="">
           <p:pic>
             <p:nvPicPr>
               <p:cNvPr id="9" name="Slide Zoom 8">
-                <a:hlinkClick r:id="rId6" action="ppaction://hlinksldjump"/>
+                <a:hlinkClick r:id="rId7" action="ppaction://hlinksldjump"/>
                 <a:extLst>
                   <a:ext uri="{FF2B5EF4-FFF2-40B4-BE49-F238E27FC236}">
                     <a16:creationId xmlns:a16="http://schemas.microsoft.com/office/drawing/2014/main" id="{BC012AC6-B785-F5FC-ADE5-DE779F44A209}"/>
@@ -27604,7 +27604,7 @@
               <p:nvPr/>
             </p:nvPicPr>
             <p:blipFill>
-              <a:blip r:embed="rId5"/>
+              <a:blip r:embed="rId8"/>
               <a:stretch>
                 <a:fillRect/>
               </a:stretch>
@@ -27621,8 +27621,8 @@
           </p:pic>
         </mc:Fallback>
       </mc:AlternateContent>
-      <mc:AlternateContent xmlns:mc="http://schemas.openxmlformats.org/markup-compatibility/2006">
-        <mc:Choice xmlns:pslz="http://schemas.microsoft.com/office/powerpoint/2016/slidezoom" Requires="pslz">
+      <mc:AlternateContent xmlns:mc="http://schemas.openxmlformats.org/markup-compatibility/2006" xmlns:pslz="http://schemas.microsoft.com/office/powerpoint/2016/slidezoom">
+        <mc:Choice Requires="pslz">
           <p:graphicFrame>
             <p:nvGraphicFramePr>
               <p:cNvPr id="13" name="Slide Zoom 12">
@@ -27653,7 +27653,7 @@
                   <pslz:sldZmObj sldId="275" cId="3468158405">
                     <pslz:zmPr id="{2432D443-D6BD-4A3D-A2BB-20857ACB444A}" returnToParent="0" transitionDur="1000" showBg="0">
                       <p166:blipFill xmlns:p166="http://schemas.microsoft.com/office/powerpoint/2016/6/main">
-                        <a:blip r:embed="rId7"/>
+                        <a:blip r:embed="rId9"/>
                         <a:stretch>
                           <a:fillRect/>
                         </a:stretch>
@@ -27674,11 +27674,11 @@
             </a:graphic>
           </p:graphicFrame>
         </mc:Choice>
-        <mc:Fallback>
+        <mc:Fallback xmlns="">
           <p:pic>
             <p:nvPicPr>
               <p:cNvPr id="13" name="Slide Zoom 12">
-                <a:hlinkClick r:id="rId8" action="ppaction://hlinksldjump"/>
+                <a:hlinkClick r:id="rId10" action="ppaction://hlinksldjump"/>
                 <a:extLst>
                   <a:ext uri="{FF2B5EF4-FFF2-40B4-BE49-F238E27FC236}">
                     <a16:creationId xmlns:a16="http://schemas.microsoft.com/office/drawing/2014/main" id="{8533F04A-B387-EADB-1A8C-E997BEBB527A}"/>
@@ -27691,7 +27691,7 @@
               <p:nvPr/>
             </p:nvPicPr>
             <p:blipFill>
-              <a:blip r:embed="rId7"/>
+              <a:blip r:embed="rId11"/>
               <a:stretch>
                 <a:fillRect/>
               </a:stretch>
@@ -27708,8 +27708,8 @@
           </p:pic>
         </mc:Fallback>
       </mc:AlternateContent>
-      <mc:AlternateContent xmlns:mc="http://schemas.openxmlformats.org/markup-compatibility/2006">
-        <mc:Choice xmlns:pslz="http://schemas.microsoft.com/office/powerpoint/2016/slidezoom" Requires="pslz">
+      <mc:AlternateContent xmlns:mc="http://schemas.openxmlformats.org/markup-compatibility/2006" xmlns:pslz="http://schemas.microsoft.com/office/powerpoint/2016/slidezoom">
+        <mc:Choice Requires="pslz">
           <p:graphicFrame>
             <p:nvGraphicFramePr>
               <p:cNvPr id="17" name="Slide Zoom 16">
@@ -27740,7 +27740,7 @@
                   <pslz:sldZmObj sldId="274" cId="755586369">
                     <pslz:zmPr id="{64D74A47-E20C-4927-A367-A2B48FD13A27}" returnToParent="0" transitionDur="1000" showBg="0">
                       <p166:blipFill xmlns:p166="http://schemas.microsoft.com/office/powerpoint/2016/6/main">
-                        <a:blip r:embed="rId9"/>
+                        <a:blip r:embed="rId12"/>
                         <a:stretch>
                           <a:fillRect/>
                         </a:stretch>
@@ -27761,11 +27761,11 @@
             </a:graphic>
           </p:graphicFrame>
         </mc:Choice>
-        <mc:Fallback>
+        <mc:Fallback xmlns="">
           <p:pic>
             <p:nvPicPr>
               <p:cNvPr id="17" name="Slide Zoom 16">
-                <a:hlinkClick r:id="rId10" action="ppaction://hlinksldjump"/>
+                <a:hlinkClick r:id="rId13" action="ppaction://hlinksldjump"/>
                 <a:extLst>
                   <a:ext uri="{FF2B5EF4-FFF2-40B4-BE49-F238E27FC236}">
                     <a16:creationId xmlns:a16="http://schemas.microsoft.com/office/drawing/2014/main" id="{FB23BA50-8E0A-79D3-C57C-793BC3F208C5}"/>
@@ -27778,7 +27778,7 @@
               <p:nvPr/>
             </p:nvPicPr>
             <p:blipFill>
-              <a:blip r:embed="rId9"/>
+              <a:blip r:embed="rId14"/>
               <a:stretch>
                 <a:fillRect/>
               </a:stretch>
@@ -27795,8 +27795,8 @@
           </p:pic>
         </mc:Fallback>
       </mc:AlternateContent>
-      <mc:AlternateContent xmlns:mc="http://schemas.openxmlformats.org/markup-compatibility/2006">
-        <mc:Choice xmlns:pslz="http://schemas.microsoft.com/office/powerpoint/2016/slidezoom" Requires="pslz">
+      <mc:AlternateContent xmlns:mc="http://schemas.openxmlformats.org/markup-compatibility/2006" xmlns:pslz="http://schemas.microsoft.com/office/powerpoint/2016/slidezoom">
+        <mc:Choice Requires="pslz">
           <p:graphicFrame>
             <p:nvGraphicFramePr>
               <p:cNvPr id="21" name="Slide Zoom 20">
@@ -27827,7 +27827,7 @@
                   <pslz:sldZmObj sldId="273" cId="698998181">
                     <pslz:zmPr id="{C431F686-F6EF-4582-B978-DB3823D06ADF}" returnToParent="0" transitionDur="1000" showBg="0">
                       <p166:blipFill xmlns:p166="http://schemas.microsoft.com/office/powerpoint/2016/6/main">
-                        <a:blip r:embed="rId11"/>
+                        <a:blip r:embed="rId15"/>
                         <a:stretch>
                           <a:fillRect/>
                         </a:stretch>
@@ -27848,11 +27848,11 @@
             </a:graphic>
           </p:graphicFrame>
         </mc:Choice>
-        <mc:Fallback>
+        <mc:Fallback xmlns="">
           <p:pic>
             <p:nvPicPr>
               <p:cNvPr id="21" name="Slide Zoom 20">
-                <a:hlinkClick r:id="rId12" action="ppaction://hlinksldjump"/>
+                <a:hlinkClick r:id="rId16" action="ppaction://hlinksldjump"/>
                 <a:extLst>
                   <a:ext uri="{FF2B5EF4-FFF2-40B4-BE49-F238E27FC236}">
                     <a16:creationId xmlns:a16="http://schemas.microsoft.com/office/drawing/2014/main" id="{C6B12DA9-0BC0-BC54-9F5C-25D6E5B2C8ED}"/>
@@ -27865,7 +27865,7 @@
               <p:nvPr/>
             </p:nvPicPr>
             <p:blipFill>
-              <a:blip r:embed="rId11"/>
+              <a:blip r:embed="rId17"/>
               <a:stretch>
                 <a:fillRect/>
               </a:stretch>
@@ -27882,8 +27882,8 @@
           </p:pic>
         </mc:Fallback>
       </mc:AlternateContent>
-      <mc:AlternateContent xmlns:mc="http://schemas.openxmlformats.org/markup-compatibility/2006">
-        <mc:Choice xmlns:pslz="http://schemas.microsoft.com/office/powerpoint/2016/slidezoom" Requires="pslz">
+      <mc:AlternateContent xmlns:mc="http://schemas.openxmlformats.org/markup-compatibility/2006" xmlns:pslz="http://schemas.microsoft.com/office/powerpoint/2016/slidezoom">
+        <mc:Choice Requires="pslz">
           <p:graphicFrame>
             <p:nvGraphicFramePr>
               <p:cNvPr id="24" name="Slide Zoom 23">
@@ -27914,7 +27914,7 @@
                   <pslz:sldZmObj sldId="272" cId="3430875069">
                     <pslz:zmPr id="{D7F1446D-01DC-4363-AC64-87B37E876F9F}" returnToParent="0" transitionDur="1000" showBg="0">
                       <p166:blipFill xmlns:p166="http://schemas.microsoft.com/office/powerpoint/2016/6/main">
-                        <a:blip r:embed="rId13"/>
+                        <a:blip r:embed="rId18"/>
                         <a:stretch>
                           <a:fillRect/>
                         </a:stretch>
@@ -27935,11 +27935,11 @@
             </a:graphic>
           </p:graphicFrame>
         </mc:Choice>
-        <mc:Fallback>
+        <mc:Fallback xmlns="">
           <p:pic>
             <p:nvPicPr>
               <p:cNvPr id="24" name="Slide Zoom 23">
-                <a:hlinkClick r:id="rId14" action="ppaction://hlinksldjump"/>
+                <a:hlinkClick r:id="rId19" action="ppaction://hlinksldjump"/>
                 <a:extLst>
                   <a:ext uri="{FF2B5EF4-FFF2-40B4-BE49-F238E27FC236}">
                     <a16:creationId xmlns:a16="http://schemas.microsoft.com/office/drawing/2014/main" id="{F904DB68-C3D2-0556-14DF-18CC77C691A8}"/>
@@ -27952,7 +27952,7 @@
               <p:nvPr/>
             </p:nvPicPr>
             <p:blipFill>
-              <a:blip r:embed="rId13"/>
+              <a:blip r:embed="rId20"/>
               <a:stretch>
                 <a:fillRect/>
               </a:stretch>
@@ -27969,8 +27969,8 @@
           </p:pic>
         </mc:Fallback>
       </mc:AlternateContent>
-      <mc:AlternateContent xmlns:mc="http://schemas.openxmlformats.org/markup-compatibility/2006">
-        <mc:Choice xmlns:pslz="http://schemas.microsoft.com/office/powerpoint/2016/slidezoom" Requires="pslz">
+      <mc:AlternateContent xmlns:mc="http://schemas.openxmlformats.org/markup-compatibility/2006" xmlns:pslz="http://schemas.microsoft.com/office/powerpoint/2016/slidezoom">
+        <mc:Choice Requires="pslz">
           <p:graphicFrame>
             <p:nvGraphicFramePr>
               <p:cNvPr id="26" name="Slide Zoom 25">
@@ -28001,7 +28001,7 @@
                   <pslz:sldZmObj sldId="271" cId="1793104559">
                     <pslz:zmPr id="{9F8FBA3C-7F90-4BA9-AF27-495C17DAE18C}" returnToParent="0" transitionDur="1000" showBg="0">
                       <p166:blipFill xmlns:p166="http://schemas.microsoft.com/office/powerpoint/2016/6/main">
-                        <a:blip r:embed="rId15"/>
+                        <a:blip r:embed="rId21"/>
                         <a:stretch>
                           <a:fillRect/>
                         </a:stretch>
@@ -28022,11 +28022,11 @@
             </a:graphic>
           </p:graphicFrame>
         </mc:Choice>
-        <mc:Fallback>
+        <mc:Fallback xmlns="">
           <p:pic>
             <p:nvPicPr>
               <p:cNvPr id="26" name="Slide Zoom 25">
-                <a:hlinkClick r:id="rId16" action="ppaction://hlinksldjump"/>
+                <a:hlinkClick r:id="rId22" action="ppaction://hlinksldjump"/>
                 <a:extLst>
                   <a:ext uri="{FF2B5EF4-FFF2-40B4-BE49-F238E27FC236}">
                     <a16:creationId xmlns:a16="http://schemas.microsoft.com/office/drawing/2014/main" id="{485683E4-4479-7777-D533-166C53332BEB}"/>
@@ -28039,7 +28039,7 @@
               <p:nvPr/>
             </p:nvPicPr>
             <p:blipFill>
-              <a:blip r:embed="rId15"/>
+              <a:blip r:embed="rId23"/>
               <a:stretch>
                 <a:fillRect/>
               </a:stretch>
